--- a/Resume.pptx
+++ b/Resume.pptx
@@ -221,7 +221,7 @@
           <a:p>
             <a:fld id="{89F46558-97FC-5142-A086-428A49254BB5}" type="datetimeFigureOut">
               <a:rPr lang="en-US" smtClean="0"/>
-              <a:t>8/11/2024</a:t>
+              <a:t>8/12/2024</a:t>
             </a:fld>
             <a:endParaRPr lang="en-US"/>
           </a:p>
@@ -3713,7 +3713,7 @@
             <a:fld id="{3F9AFA87-1417-4992-ABD9-27C3BC8CC883}" type="datetimeFigureOut">
               <a:rPr lang="en-US" smtClean="0"/>
               <a:pPr algn="r"/>
-              <a:t>8/11/2024</a:t>
+              <a:t>8/12/2024</a:t>
             </a:fld>
             <a:endParaRPr lang="en-US"/>
           </a:p>
@@ -3912,7 +3912,7 @@
           <a:p>
             <a:fld id="{3F9AFA87-1417-4992-ABD9-27C3BC8CC883}" type="datetimeFigureOut">
               <a:rPr lang="en-US" smtClean="0"/>
-              <a:t>8/11/2024</a:t>
+              <a:t>8/12/2024</a:t>
             </a:fld>
             <a:endParaRPr lang="en-US"/>
           </a:p>
@@ -4120,7 +4120,7 @@
           <a:p>
             <a:fld id="{3F9AFA87-1417-4992-ABD9-27C3BC8CC883}" type="datetimeFigureOut">
               <a:rPr lang="en-US" smtClean="0"/>
-              <a:t>8/11/2024</a:t>
+              <a:t>8/12/2024</a:t>
             </a:fld>
             <a:endParaRPr lang="en-US"/>
           </a:p>
@@ -4318,7 +4318,7 @@
           <a:p>
             <a:fld id="{3F9AFA87-1417-4992-ABD9-27C3BC8CC883}" type="datetimeFigureOut">
               <a:rPr lang="en-US" smtClean="0"/>
-              <a:t>8/11/2024</a:t>
+              <a:t>8/12/2024</a:t>
             </a:fld>
             <a:endParaRPr lang="en-US"/>
           </a:p>
@@ -4593,7 +4593,7 @@
           <a:p>
             <a:fld id="{3F9AFA87-1417-4992-ABD9-27C3BC8CC883}" type="datetimeFigureOut">
               <a:rPr lang="en-US" smtClean="0"/>
-              <a:t>8/11/2024</a:t>
+              <a:t>8/12/2024</a:t>
             </a:fld>
             <a:endParaRPr lang="en-US"/>
           </a:p>
@@ -4858,7 +4858,7 @@
           <a:p>
             <a:fld id="{3F9AFA87-1417-4992-ABD9-27C3BC8CC883}" type="datetimeFigureOut">
               <a:rPr lang="en-US" smtClean="0"/>
-              <a:t>8/11/2024</a:t>
+              <a:t>8/12/2024</a:t>
             </a:fld>
             <a:endParaRPr lang="en-US"/>
           </a:p>
@@ -5270,7 +5270,7 @@
           <a:p>
             <a:fld id="{3F9AFA87-1417-4992-ABD9-27C3BC8CC883}" type="datetimeFigureOut">
               <a:rPr lang="en-US" smtClean="0"/>
-              <a:t>8/11/2024</a:t>
+              <a:t>8/12/2024</a:t>
             </a:fld>
             <a:endParaRPr lang="en-US"/>
           </a:p>
@@ -5411,7 +5411,7 @@
           <a:p>
             <a:fld id="{3F9AFA87-1417-4992-ABD9-27C3BC8CC883}" type="datetimeFigureOut">
               <a:rPr lang="en-US" smtClean="0"/>
-              <a:t>8/11/2024</a:t>
+              <a:t>8/12/2024</a:t>
             </a:fld>
             <a:endParaRPr lang="en-US"/>
           </a:p>
@@ -5524,7 +5524,7 @@
           <a:p>
             <a:fld id="{3F9AFA87-1417-4992-ABD9-27C3BC8CC883}" type="datetimeFigureOut">
               <a:rPr lang="en-US" smtClean="0"/>
-              <a:t>8/11/2024</a:t>
+              <a:t>8/12/2024</a:t>
             </a:fld>
             <a:endParaRPr lang="en-US"/>
           </a:p>
@@ -5835,7 +5835,7 @@
           <a:p>
             <a:fld id="{3F9AFA87-1417-4992-ABD9-27C3BC8CC883}" type="datetimeFigureOut">
               <a:rPr lang="en-US" smtClean="0"/>
-              <a:t>8/11/2024</a:t>
+              <a:t>8/12/2024</a:t>
             </a:fld>
             <a:endParaRPr lang="en-US"/>
           </a:p>
@@ -6123,7 +6123,7 @@
           <a:p>
             <a:fld id="{3F9AFA87-1417-4992-ABD9-27C3BC8CC883}" type="datetimeFigureOut">
               <a:rPr lang="en-US" smtClean="0"/>
-              <a:t>8/11/2024</a:t>
+              <a:t>8/12/2024</a:t>
             </a:fld>
             <a:endParaRPr lang="en-US"/>
           </a:p>
@@ -6366,7 +6366,7 @@
             <a:fld id="{3F9AFA87-1417-4992-ABD9-27C3BC8CC883}" type="datetimeFigureOut">
               <a:rPr lang="en-US" smtClean="0"/>
               <a:pPr algn="r"/>
-              <a:t>8/11/2024</a:t>
+              <a:t>8/12/2024</a:t>
             </a:fld>
             <a:endParaRPr lang="en-US"/>
           </a:p>
@@ -8904,6 +8904,55 @@
       </p:sp>
       <p:sp>
         <p:nvSpPr>
+          <p:cNvPr id="2" name="Rectangle: Rounded Corners 1">
+            <a:extLst>
+              <a:ext uri="{FF2B5EF4-FFF2-40B4-BE49-F238E27FC236}">
+                <a16:creationId xmlns:a16="http://schemas.microsoft.com/office/drawing/2014/main" id="{C841D4C7-19A5-CDA4-C568-A087ACB904EC}"/>
+              </a:ext>
+            </a:extLst>
+          </p:cNvPr>
+          <p:cNvSpPr/>
+          <p:nvPr/>
+        </p:nvSpPr>
+        <p:spPr>
+          <a:xfrm>
+            <a:off x="3352801" y="4898553"/>
+            <a:ext cx="5486400" cy="1170038"/>
+          </a:xfrm>
+          <a:prstGeom prst="roundRect">
+            <a:avLst/>
+          </a:prstGeom>
+          <a:ln>
+            <a:solidFill>
+              <a:schemeClr val="bg1"/>
+            </a:solidFill>
+          </a:ln>
+        </p:spPr>
+        <p:style>
+          <a:lnRef idx="2">
+            <a:schemeClr val="accent6"/>
+          </a:lnRef>
+          <a:fillRef idx="1">
+            <a:schemeClr val="lt1"/>
+          </a:fillRef>
+          <a:effectRef idx="0">
+            <a:schemeClr val="accent6"/>
+          </a:effectRef>
+          <a:fontRef idx="minor">
+            <a:schemeClr val="dk1"/>
+          </a:fontRef>
+        </p:style>
+        <p:txBody>
+          <a:bodyPr rtlCol="0" anchor="ctr"/>
+          <a:lstStyle/>
+          <a:p>
+            <a:pPr algn="ctr"/>
+            <a:endParaRPr lang="en-GB"/>
+          </a:p>
+        </p:txBody>
+      </p:sp>
+      <p:sp>
+        <p:nvSpPr>
           <p:cNvPr id="6" name="Title 1">
             <a:extLst>
               <a:ext uri="{FF2B5EF4-FFF2-40B4-BE49-F238E27FC236}">
@@ -8918,7 +8967,7 @@
         </p:nvSpPr>
         <p:spPr>
           <a:xfrm>
-            <a:off x="576106" y="2472038"/>
+            <a:off x="576107" y="2461100"/>
             <a:ext cx="11039785" cy="1505883"/>
           </a:xfrm>
           <a:prstGeom prst="rect">
@@ -8962,17 +9011,87 @@
                 <a:latin typeface="Poppins" panose="00000500000000000000" pitchFamily="2" charset="0"/>
                 <a:cs typeface="Poppins" panose="00000500000000000000" pitchFamily="2" charset="0"/>
               </a:rPr>
-              <a:t>Now You Can Update &amp; Share the Portfolio Link </a:t>
+              <a:t>Now You Can Update &amp; Share the Portfolio Link</a:t>
+            </a:r>
+          </a:p>
+          <a:p>
+            <a:pPr algn="ctr">
+              <a:lnSpc>
+                <a:spcPct val="160000"/>
+              </a:lnSpc>
+            </a:pPr>
+            <a:endParaRPr lang="en-US" sz="3600" b="1" dirty="0">
+              <a:solidFill>
+                <a:schemeClr val="bg1"/>
+              </a:solidFill>
+              <a:latin typeface="Poppins" panose="00000500000000000000" pitchFamily="2" charset="0"/>
+              <a:cs typeface="Poppins" panose="00000500000000000000" pitchFamily="2" charset="0"/>
+            </a:endParaRPr>
+          </a:p>
+          <a:p>
+            <a:pPr algn="ctr">
+              <a:lnSpc>
+                <a:spcPct val="160000"/>
+              </a:lnSpc>
+            </a:pPr>
+            <a:endParaRPr lang="en-US" sz="3600" b="1" dirty="0">
+              <a:solidFill>
+                <a:schemeClr val="bg1"/>
+              </a:solidFill>
+              <a:latin typeface="Poppins" panose="00000500000000000000" pitchFamily="2" charset="0"/>
+              <a:cs typeface="Poppins" panose="00000500000000000000" pitchFamily="2" charset="0"/>
+            </a:endParaRPr>
+          </a:p>
+          <a:p>
+            <a:pPr algn="ctr">
+              <a:lnSpc>
+                <a:spcPct val="160000"/>
+              </a:lnSpc>
+            </a:pPr>
+            <a:endParaRPr lang="en-US" sz="3600" b="1" dirty="0">
+              <a:solidFill>
+                <a:schemeClr val="bg1"/>
+              </a:solidFill>
+              <a:latin typeface="Poppins" panose="00000500000000000000" pitchFamily="2" charset="0"/>
+              <a:cs typeface="Poppins" panose="00000500000000000000" pitchFamily="2" charset="0"/>
+            </a:endParaRPr>
+          </a:p>
+          <a:p>
+            <a:pPr algn="ctr">
+              <a:lnSpc>
+                <a:spcPct val="160000"/>
+              </a:lnSpc>
+            </a:pPr>
+            <a:endParaRPr lang="en-US" sz="3600" b="1" dirty="0">
+              <a:solidFill>
+                <a:schemeClr val="bg1"/>
+              </a:solidFill>
+              <a:latin typeface="Poppins" panose="00000500000000000000" pitchFamily="2" charset="0"/>
+              <a:cs typeface="Poppins" panose="00000500000000000000" pitchFamily="2" charset="0"/>
+            </a:endParaRPr>
+          </a:p>
+          <a:p>
+            <a:pPr algn="ctr">
+              <a:lnSpc>
+                <a:spcPct val="160000"/>
+              </a:lnSpc>
+            </a:pPr>
+            <a:r>
+              <a:rPr lang="en-US" sz="3600" b="1" dirty="0">
+                <a:latin typeface="Poppins" panose="00000500000000000000" pitchFamily="2" charset="0"/>
+                <a:cs typeface="Poppins" panose="00000500000000000000" pitchFamily="2" charset="0"/>
+              </a:rPr>
+              <a:t>Feedback Session </a:t>
             </a:r>
           </a:p>
         </p:txBody>
       </p:sp>
       <p:pic>
         <p:nvPicPr>
-          <p:cNvPr id="10" name="Picture 9" descr="A green tick in a circle with arrows&#10;&#10;Description automatically generated">
-            <a:extLst>
-              <a:ext uri="{FF2B5EF4-FFF2-40B4-BE49-F238E27FC236}">
-                <a16:creationId xmlns:a16="http://schemas.microsoft.com/office/drawing/2014/main" id="{B6460834-00DE-3588-D53D-B57F276D75AA}"/>
+          <p:cNvPr id="12" name="Picture 11" descr="A blue arrow pointing to a black background&#10;&#10;Description automatically generated">
+            <a:extLst>
+              <a:ext uri="{FF2B5EF4-FFF2-40B4-BE49-F238E27FC236}">
+                <a16:creationId xmlns:a16="http://schemas.microsoft.com/office/drawing/2014/main" id="{02FA210E-A144-8D30-D94F-C95A1A7088AA}"/>
               </a:ext>
             </a:extLst>
           </p:cNvPr>
@@ -8987,51 +9106,6 @@
               <a:ext uri="{BEBA8EAE-BF5A-486C-A8C5-ECC9F3942E4B}">
                 <a14:imgProps xmlns:a14="http://schemas.microsoft.com/office/drawing/2010/main">
                   <a14:imgLayer r:embed="rId4">
-                    <a14:imgEffect>
-                      <a14:artisticPencilSketch/>
-                    </a14:imgEffect>
-                    <a14:imgEffect>
-                      <a14:brightnessContrast bright="40000" contrast="40000"/>
-                    </a14:imgEffect>
-                  </a14:imgLayer>
-                </a14:imgProps>
-              </a:ext>
-            </a:extLst>
-          </a:blip>
-          <a:stretch>
-            <a:fillRect/>
-          </a:stretch>
-        </p:blipFill>
-        <p:spPr>
-          <a:xfrm>
-            <a:off x="621273" y="480938"/>
-            <a:ext cx="1069875" cy="1069875"/>
-          </a:xfrm>
-          <a:prstGeom prst="rect">
-            <a:avLst/>
-          </a:prstGeom>
-        </p:spPr>
-      </p:pic>
-      <p:pic>
-        <p:nvPicPr>
-          <p:cNvPr id="12" name="Picture 11" descr="A blue arrow pointing to a black background&#10;&#10;Description automatically generated">
-            <a:extLst>
-              <a:ext uri="{FF2B5EF4-FFF2-40B4-BE49-F238E27FC236}">
-                <a16:creationId xmlns:a16="http://schemas.microsoft.com/office/drawing/2014/main" id="{02FA210E-A144-8D30-D94F-C95A1A7088AA}"/>
-              </a:ext>
-            </a:extLst>
-          </p:cNvPr>
-          <p:cNvPicPr>
-            <a:picLocks noChangeAspect="1"/>
-          </p:cNvPicPr>
-          <p:nvPr/>
-        </p:nvPicPr>
-        <p:blipFill>
-          <a:blip r:embed="rId5">
-            <a:extLst>
-              <a:ext uri="{BEBA8EAE-BF5A-486C-A8C5-ECC9F3942E4B}">
-                <a14:imgProps xmlns:a14="http://schemas.microsoft.com/office/drawing/2010/main">
-                  <a14:imgLayer r:embed="rId6">
                     <a14:imgEffect>
                       <a14:artisticPencilSketch/>
                     </a14:imgEffect>
@@ -9049,8 +9123,8 @@
         </p:blipFill>
         <p:spPr>
           <a:xfrm>
-            <a:off x="10729678" y="5515897"/>
-            <a:ext cx="713229" cy="713229"/>
+            <a:off x="5697371" y="2634720"/>
+            <a:ext cx="797256" cy="797256"/>
           </a:xfrm>
           <a:prstGeom prst="rect">
             <a:avLst/>
